--- a/5.1flask/flask.pptx
+++ b/5.1flask/flask.pptx
@@ -3669,7 +3669,7 @@
         <p:spPr>
           <a:xfrm>
             <a:off x="2447925" y="2064385"/>
-            <a:ext cx="4064000" cy="645160"/>
+            <a:ext cx="4064000" cy="953135"/>
           </a:xfrm>
           <a:prstGeom prst="rect">
             <a:avLst/>
@@ -3682,13 +3682,13 @@
           </a:bodyPr>
           <a:p>
             <a:r>
-              <a:rPr lang="en-US"/>
+              <a:rPr lang="en-US" sz="2800" b="1"/>
               <a:t>Basic python </a:t>
             </a:r>
-            <a:endParaRPr lang="en-US"/>
-          </a:p>
-          <a:p>
-            <a:endParaRPr lang="en-US"/>
+            <a:endParaRPr lang="en-US" sz="2800" b="1"/>
+          </a:p>
+          <a:p>
+            <a:endParaRPr lang="en-US" sz="2800" b="1"/>
           </a:p>
         </p:txBody>
       </p:sp>
@@ -4330,24 +4330,31 @@
             <a:spAutoFit/>
           </a:bodyPr>
           <a:p>
+            <a:pPr marL="342900" indent="-342900">
+              <a:buAutoNum type="arabicPeriod"/>
+            </a:pPr>
+            <a:r>
+              <a:rPr lang="en-US" altLang="en-US">
+                <a:sym typeface="+mn-ea"/>
+              </a:rPr>
+              <a:t>https://www.udemy.com/course/flask-master-class-for-beginners-to-pro/learn/lecture/37423456</a:t>
+            </a:r>
+            <a:endParaRPr lang="en-US" altLang="en-US"/>
+          </a:p>
+          <a:p>
+            <a:pPr marL="342900" indent="-342900">
+              <a:buAutoNum type="arabicPeriod"/>
+            </a:pPr>
             <a:r>
               <a:rPr lang="en-US" altLang="en-US"/>
-              <a:t>1.https://www.udemy.com/course/flask-framework-complete-course-for-beginners/learn/lecture/22856409</a:t>
+              <a:t>https://www.udemy.com/course/flask-framework-complete-course-for-beginners/learn/lecture/22856409</a:t>
             </a:r>
             <a:endParaRPr lang="en-US" altLang="en-US"/>
           </a:p>
           <a:p>
-            <a:r>
-              <a:rPr lang="en-US" altLang="en-US"/>
-              <a:t>2. https://www.udemy.com/course/flask-master-class-for-beginners-to-pro/learn/lecture/37423456</a:t>
-            </a:r>
-            <a:endParaRPr lang="en-US" altLang="en-US"/>
-          </a:p>
-          <a:p>
-            <a:r>
-              <a:rPr lang="en-US"/>
-              <a:t>3. </a:t>
-            </a:r>
+            <a:pPr marL="342900" indent="-342900">
+              <a:buAutoNum type="arabicPeriod"/>
+            </a:pPr>
             <a:r>
               <a:rPr lang="en-US" altLang="en-US"/>
               <a:t>https://www.udemy.com/course/python-flask-web-applications-dev-with-coding-exercises/learn/lecture/45456275</a:t>
